--- a/slides/Module 19 - Web APIs.pptx
+++ b/slides/Module 19 - Web APIs.pptx
@@ -140,6 +140,11 @@
       </a:defRPr>
     </a:lvl9pPr>
   </p:defaultTextStyle>
+  <p:extLst>
+    <p:ext uri="{EFAFB233-063F-42B5-8137-9DF3F51BA10A}">
+      <p15:sldGuideLst xmlns:p15="http://schemas.microsoft.com/office/powerpoint/2012/main"/>
+    </p:ext>
+  </p:extLst>
 </p:presentation>
 </file>
 
@@ -290,7 +295,7 @@
           <a:p>
             <a:fld id="{452AD788-BC47-47C4-AC1E-63C97DA60842}" type="datetimeFigureOut">
               <a:rPr lang="en-US" smtClean="0"/>
-              <a:t>5/19/2023</a:t>
+              <a:t>9/6/2023</a:t>
             </a:fld>
             <a:endParaRPr lang="en-US"/>
           </a:p>
@@ -488,7 +493,7 @@
           <a:p>
             <a:fld id="{452AD788-BC47-47C4-AC1E-63C97DA60842}" type="datetimeFigureOut">
               <a:rPr lang="en-US" smtClean="0"/>
-              <a:t>5/19/2023</a:t>
+              <a:t>9/6/2023</a:t>
             </a:fld>
             <a:endParaRPr lang="en-US"/>
           </a:p>
@@ -696,7 +701,7 @@
           <a:p>
             <a:fld id="{452AD788-BC47-47C4-AC1E-63C97DA60842}" type="datetimeFigureOut">
               <a:rPr lang="en-US" smtClean="0"/>
-              <a:t>5/19/2023</a:t>
+              <a:t>9/6/2023</a:t>
             </a:fld>
             <a:endParaRPr lang="en-US"/>
           </a:p>
@@ -894,7 +899,7 @@
           <a:p>
             <a:fld id="{452AD788-BC47-47C4-AC1E-63C97DA60842}" type="datetimeFigureOut">
               <a:rPr lang="en-US" smtClean="0"/>
-              <a:t>5/19/2023</a:t>
+              <a:t>9/6/2023</a:t>
             </a:fld>
             <a:endParaRPr lang="en-US"/>
           </a:p>
@@ -1169,7 +1174,7 @@
           <a:p>
             <a:fld id="{452AD788-BC47-47C4-AC1E-63C97DA60842}" type="datetimeFigureOut">
               <a:rPr lang="en-US" smtClean="0"/>
-              <a:t>5/19/2023</a:t>
+              <a:t>9/6/2023</a:t>
             </a:fld>
             <a:endParaRPr lang="en-US"/>
           </a:p>
@@ -1434,7 +1439,7 @@
           <a:p>
             <a:fld id="{452AD788-BC47-47C4-AC1E-63C97DA60842}" type="datetimeFigureOut">
               <a:rPr lang="en-US" smtClean="0"/>
-              <a:t>5/19/2023</a:t>
+              <a:t>9/6/2023</a:t>
             </a:fld>
             <a:endParaRPr lang="en-US"/>
           </a:p>
@@ -1846,7 +1851,7 @@
           <a:p>
             <a:fld id="{452AD788-BC47-47C4-AC1E-63C97DA60842}" type="datetimeFigureOut">
               <a:rPr lang="en-US" smtClean="0"/>
-              <a:t>5/19/2023</a:t>
+              <a:t>9/6/2023</a:t>
             </a:fld>
             <a:endParaRPr lang="en-US"/>
           </a:p>
@@ -1987,7 +1992,7 @@
           <a:p>
             <a:fld id="{452AD788-BC47-47C4-AC1E-63C97DA60842}" type="datetimeFigureOut">
               <a:rPr lang="en-US" smtClean="0"/>
-              <a:t>5/19/2023</a:t>
+              <a:t>9/6/2023</a:t>
             </a:fld>
             <a:endParaRPr lang="en-US"/>
           </a:p>
@@ -2100,7 +2105,7 @@
           <a:p>
             <a:fld id="{452AD788-BC47-47C4-AC1E-63C97DA60842}" type="datetimeFigureOut">
               <a:rPr lang="en-US" smtClean="0"/>
-              <a:t>5/19/2023</a:t>
+              <a:t>9/6/2023</a:t>
             </a:fld>
             <a:endParaRPr lang="en-US"/>
           </a:p>
@@ -2411,7 +2416,7 @@
           <a:p>
             <a:fld id="{452AD788-BC47-47C4-AC1E-63C97DA60842}" type="datetimeFigureOut">
               <a:rPr lang="en-US" smtClean="0"/>
-              <a:t>5/19/2023</a:t>
+              <a:t>9/6/2023</a:t>
             </a:fld>
             <a:endParaRPr lang="en-US"/>
           </a:p>
@@ -2699,7 +2704,7 @@
           <a:p>
             <a:fld id="{452AD788-BC47-47C4-AC1E-63C97DA60842}" type="datetimeFigureOut">
               <a:rPr lang="en-US" smtClean="0"/>
-              <a:t>5/19/2023</a:t>
+              <a:t>9/6/2023</a:t>
             </a:fld>
             <a:endParaRPr lang="en-US"/>
           </a:p>
@@ -2940,7 +2945,7 @@
           <a:p>
             <a:fld id="{452AD788-BC47-47C4-AC1E-63C97DA60842}" type="datetimeFigureOut">
               <a:rPr lang="en-US" smtClean="0"/>
-              <a:t>5/19/2023</a:t>
+              <a:t>9/6/2023</a:t>
             </a:fld>
             <a:endParaRPr lang="en-US"/>
           </a:p>
@@ -6751,8 +6756,8 @@
         </p:blipFill>
         <p:spPr>
           <a:xfrm>
-            <a:off x="0" y="3596357"/>
-            <a:ext cx="9861135" cy="3261643"/>
+            <a:off x="0" y="2825407"/>
+            <a:ext cx="12192000" cy="4032594"/>
           </a:xfrm>
         </p:spPr>
       </p:pic>
@@ -6784,7 +6789,7 @@
         </p:blipFill>
         <p:spPr>
           <a:xfrm>
-            <a:off x="0" y="2473750"/>
+            <a:off x="3845859" y="1679856"/>
             <a:ext cx="4500282" cy="1122608"/>
           </a:xfrm>
           <a:prstGeom prst="rect">
